--- a/Presentation/POWER IOT.pptx
+++ b/Presentation/POWER IOT.pptx
@@ -118,6 +118,11 @@
       </a:defRPr>
     </a:lvl9pPr>
   </p:defaultTextStyle>
+  <p:extLst>
+    <p:ext uri="{EFAFB233-063F-42B5-8137-9DF3F51BA10A}">
+      <p15:sldGuideLst xmlns:p15="http://schemas.microsoft.com/office/powerpoint/2012/main"/>
+    </p:ext>
+  </p:extLst>
 </p:presentation>
 </file>
 
@@ -347,7 +352,7 @@
           <a:p>
             <a:fld id="{0E9D983F-18F9-4502-B3B1-48E4462F9635}" type="datetimeFigureOut">
               <a:rPr lang="tr-TR" smtClean="0"/>
-              <a:t>13.09.2018</a:t>
+              <a:t>14.09.2018</a:t>
             </a:fld>
             <a:endParaRPr lang="tr-TR"/>
           </a:p>
@@ -555,7 +560,7 @@
           <a:p>
             <a:fld id="{0E9D983F-18F9-4502-B3B1-48E4462F9635}" type="datetimeFigureOut">
               <a:rPr lang="tr-TR" smtClean="0"/>
-              <a:t>13.09.2018</a:t>
+              <a:t>14.09.2018</a:t>
             </a:fld>
             <a:endParaRPr lang="tr-TR"/>
           </a:p>
@@ -811,7 +816,7 @@
           <a:p>
             <a:fld id="{0E9D983F-18F9-4502-B3B1-48E4462F9635}" type="datetimeFigureOut">
               <a:rPr lang="tr-TR" smtClean="0"/>
-              <a:t>13.09.2018</a:t>
+              <a:t>14.09.2018</a:t>
             </a:fld>
             <a:endParaRPr lang="tr-TR"/>
           </a:p>
@@ -985,7 +990,7 @@
           <a:p>
             <a:fld id="{0E9D983F-18F9-4502-B3B1-48E4462F9635}" type="datetimeFigureOut">
               <a:rPr lang="tr-TR" smtClean="0"/>
-              <a:t>13.09.2018</a:t>
+              <a:t>14.09.2018</a:t>
             </a:fld>
             <a:endParaRPr lang="tr-TR"/>
           </a:p>
@@ -1328,7 +1333,7 @@
           <a:p>
             <a:fld id="{0E9D983F-18F9-4502-B3B1-48E4462F9635}" type="datetimeFigureOut">
               <a:rPr lang="tr-TR" smtClean="0"/>
-              <a:t>13.09.2018</a:t>
+              <a:t>14.09.2018</a:t>
             </a:fld>
             <a:endParaRPr lang="tr-TR"/>
           </a:p>
@@ -1603,7 +1608,7 @@
           <a:p>
             <a:fld id="{0E9D983F-18F9-4502-B3B1-48E4462F9635}" type="datetimeFigureOut">
               <a:rPr lang="tr-TR" smtClean="0"/>
-              <a:t>13.09.2018</a:t>
+              <a:t>14.09.2018</a:t>
             </a:fld>
             <a:endParaRPr lang="tr-TR"/>
           </a:p>
@@ -1982,7 +1987,7 @@
           <a:p>
             <a:fld id="{0E9D983F-18F9-4502-B3B1-48E4462F9635}" type="datetimeFigureOut">
               <a:rPr lang="tr-TR" smtClean="0"/>
-              <a:t>13.09.2018</a:t>
+              <a:t>14.09.2018</a:t>
             </a:fld>
             <a:endParaRPr lang="tr-TR"/>
           </a:p>
@@ -2100,7 +2105,7 @@
           <a:p>
             <a:fld id="{0E9D983F-18F9-4502-B3B1-48E4462F9635}" type="datetimeFigureOut">
               <a:rPr lang="tr-TR" smtClean="0"/>
-              <a:t>13.09.2018</a:t>
+              <a:t>14.09.2018</a:t>
             </a:fld>
             <a:endParaRPr lang="tr-TR"/>
           </a:p>
@@ -2271,7 +2276,7 @@
           <a:p>
             <a:fld id="{0E9D983F-18F9-4502-B3B1-48E4462F9635}" type="datetimeFigureOut">
               <a:rPr lang="tr-TR" smtClean="0"/>
-              <a:t>13.09.2018</a:t>
+              <a:t>14.09.2018</a:t>
             </a:fld>
             <a:endParaRPr lang="tr-TR"/>
           </a:p>
@@ -2625,7 +2630,7 @@
           <a:p>
             <a:fld id="{0E9D983F-18F9-4502-B3B1-48E4462F9635}" type="datetimeFigureOut">
               <a:rPr lang="tr-TR" smtClean="0"/>
-              <a:t>13.09.2018</a:t>
+              <a:t>14.09.2018</a:t>
             </a:fld>
             <a:endParaRPr lang="tr-TR"/>
           </a:p>
@@ -3007,7 +3012,7 @@
           <a:p>
             <a:fld id="{0E9D983F-18F9-4502-B3B1-48E4462F9635}" type="datetimeFigureOut">
               <a:rPr lang="tr-TR" smtClean="0"/>
-              <a:t>13.09.2018</a:t>
+              <a:t>14.09.2018</a:t>
             </a:fld>
             <a:endParaRPr lang="tr-TR"/>
           </a:p>
@@ -3294,7 +3299,7 @@
           <a:p>
             <a:fld id="{0E9D983F-18F9-4502-B3B1-48E4462F9635}" type="datetimeFigureOut">
               <a:rPr lang="tr-TR" smtClean="0"/>
-              <a:t>13.09.2018</a:t>
+              <a:t>14.09.2018</a:t>
             </a:fld>
             <a:endParaRPr lang="tr-TR"/>
           </a:p>
@@ -3878,10 +3883,10 @@
       </p:grpSpPr>
       <p:pic>
         <p:nvPicPr>
-          <p:cNvPr id="5" name="Resim 4">
+          <p:cNvPr id="3" name="Resim 2">
             <a:extLst>
               <a:ext uri="{FF2B5EF4-FFF2-40B4-BE49-F238E27FC236}">
-                <a16:creationId xmlns:a16="http://schemas.microsoft.com/office/drawing/2014/main" id="{75D995E4-7EC1-4187-AEBF-29849A7D7F13}"/>
+                <a16:creationId xmlns:a16="http://schemas.microsoft.com/office/drawing/2014/main" id="{063BC87E-5F64-4361-A094-77B1D45DF225}"/>
               </a:ext>
             </a:extLst>
           </p:cNvPr>
@@ -3891,21 +3896,15 @@
           <p:nvPr/>
         </p:nvPicPr>
         <p:blipFill>
-          <a:blip r:embed="rId2">
-            <a:extLst>
-              <a:ext uri="{28A0092B-C50C-407E-A947-70E740481C1C}">
-                <a14:useLocalDpi xmlns:a14="http://schemas.microsoft.com/office/drawing/2010/main" val="0"/>
-              </a:ext>
-            </a:extLst>
-          </a:blip>
+          <a:blip r:embed="rId2"/>
           <a:stretch>
             <a:fillRect/>
           </a:stretch>
         </p:blipFill>
         <p:spPr>
           <a:xfrm>
-            <a:off x="2351559" y="869595"/>
-            <a:ext cx="7738925" cy="4583934"/>
+            <a:off x="3166438" y="754603"/>
+            <a:ext cx="5859124" cy="4337620"/>
           </a:xfrm>
           <a:prstGeom prst="rect">
             <a:avLst/>
@@ -3944,10 +3943,10 @@
       </p:grpSpPr>
       <p:pic>
         <p:nvPicPr>
-          <p:cNvPr id="3" name="Resim 2">
+          <p:cNvPr id="2" name="Resim 1">
             <a:extLst>
               <a:ext uri="{FF2B5EF4-FFF2-40B4-BE49-F238E27FC236}">
-                <a16:creationId xmlns:a16="http://schemas.microsoft.com/office/drawing/2014/main" id="{EB07C19E-E914-42A2-A5FE-E3867CF26A34}"/>
+                <a16:creationId xmlns:a16="http://schemas.microsoft.com/office/drawing/2014/main" id="{BB314CC3-A567-4FB0-B666-2E15C38E7247}"/>
               </a:ext>
             </a:extLst>
           </p:cNvPr>
@@ -3957,21 +3956,15 @@
           <p:nvPr/>
         </p:nvPicPr>
         <p:blipFill>
-          <a:blip r:embed="rId2">
-            <a:extLst>
-              <a:ext uri="{28A0092B-C50C-407E-A947-70E740481C1C}">
-                <a14:useLocalDpi xmlns:a14="http://schemas.microsoft.com/office/drawing/2010/main" val="0"/>
-              </a:ext>
-            </a:extLst>
-          </a:blip>
+          <a:blip r:embed="rId2"/>
           <a:stretch>
             <a:fillRect/>
           </a:stretch>
         </p:blipFill>
         <p:spPr>
           <a:xfrm>
-            <a:off x="2249510" y="930442"/>
-            <a:ext cx="7692980" cy="4624597"/>
+            <a:off x="3148059" y="719092"/>
+            <a:ext cx="6033281" cy="4465468"/>
           </a:xfrm>
           <a:prstGeom prst="rect">
             <a:avLst/>
@@ -4010,10 +4003,10 @@
       </p:grpSpPr>
       <p:pic>
         <p:nvPicPr>
-          <p:cNvPr id="3" name="Resim 2">
+          <p:cNvPr id="2" name="Resim 1">
             <a:extLst>
               <a:ext uri="{FF2B5EF4-FFF2-40B4-BE49-F238E27FC236}">
-                <a16:creationId xmlns:a16="http://schemas.microsoft.com/office/drawing/2014/main" id="{EB5F469D-EE01-498A-93CA-9FF538CEBE62}"/>
+                <a16:creationId xmlns:a16="http://schemas.microsoft.com/office/drawing/2014/main" id="{C4F58832-2829-4701-8DB0-4D4C43D316D4}"/>
               </a:ext>
             </a:extLst>
           </p:cNvPr>
@@ -4023,21 +4016,15 @@
           <p:nvPr/>
         </p:nvPicPr>
         <p:blipFill>
-          <a:blip r:embed="rId2">
-            <a:extLst>
-              <a:ext uri="{28A0092B-C50C-407E-A947-70E740481C1C}">
-                <a14:useLocalDpi xmlns:a14="http://schemas.microsoft.com/office/drawing/2010/main" val="0"/>
-              </a:ext>
-            </a:extLst>
-          </a:blip>
+          <a:blip r:embed="rId2"/>
           <a:stretch>
             <a:fillRect/>
           </a:stretch>
         </p:blipFill>
         <p:spPr>
           <a:xfrm>
-            <a:off x="2656244" y="670344"/>
-            <a:ext cx="6985061" cy="4473127"/>
+            <a:off x="2661012" y="985421"/>
+            <a:ext cx="6274510" cy="4314548"/>
           </a:xfrm>
           <a:prstGeom prst="rect">
             <a:avLst/>
@@ -4076,10 +4063,10 @@
       </p:grpSpPr>
       <p:pic>
         <p:nvPicPr>
-          <p:cNvPr id="3" name="Resim 2">
+          <p:cNvPr id="2" name="Resim 1">
             <a:extLst>
               <a:ext uri="{FF2B5EF4-FFF2-40B4-BE49-F238E27FC236}">
-                <a16:creationId xmlns:a16="http://schemas.microsoft.com/office/drawing/2014/main" id="{EE017BB8-F3AB-4C88-BE4F-F1F9EC4882E9}"/>
+                <a16:creationId xmlns:a16="http://schemas.microsoft.com/office/drawing/2014/main" id="{358E83FC-2031-475C-8E7C-2111AD07AA05}"/>
               </a:ext>
             </a:extLst>
           </p:cNvPr>
@@ -4089,21 +4076,15 @@
           <p:nvPr/>
         </p:nvPicPr>
         <p:blipFill>
-          <a:blip r:embed="rId2">
-            <a:extLst>
-              <a:ext uri="{28A0092B-C50C-407E-A947-70E740481C1C}">
-                <a14:useLocalDpi xmlns:a14="http://schemas.microsoft.com/office/drawing/2010/main" val="0"/>
-              </a:ext>
-            </a:extLst>
-          </a:blip>
+          <a:blip r:embed="rId2"/>
           <a:stretch>
             <a:fillRect/>
           </a:stretch>
         </p:blipFill>
         <p:spPr>
           <a:xfrm>
-            <a:off x="2595464" y="946484"/>
-            <a:ext cx="7385499" cy="4439371"/>
+            <a:off x="2844103" y="763481"/>
+            <a:ext cx="6503794" cy="4595072"/>
           </a:xfrm>
           <a:prstGeom prst="rect">
             <a:avLst/>
@@ -4142,10 +4123,10 @@
       </p:grpSpPr>
       <p:pic>
         <p:nvPicPr>
-          <p:cNvPr id="3" name="Resim 2">
+          <p:cNvPr id="2" name="Resim 1">
             <a:extLst>
               <a:ext uri="{FF2B5EF4-FFF2-40B4-BE49-F238E27FC236}">
-                <a16:creationId xmlns:a16="http://schemas.microsoft.com/office/drawing/2014/main" id="{1EAC7ED5-A25A-4CF6-8C29-D9D1F1A4A2EF}"/>
+                <a16:creationId xmlns:a16="http://schemas.microsoft.com/office/drawing/2014/main" id="{D866815E-E1D3-4BCE-AAE2-DA55B6A5E4BB}"/>
               </a:ext>
             </a:extLst>
           </p:cNvPr>
@@ -4155,21 +4136,15 @@
           <p:nvPr/>
         </p:nvPicPr>
         <p:blipFill>
-          <a:blip r:embed="rId2">
-            <a:extLst>
-              <a:ext uri="{28A0092B-C50C-407E-A947-70E740481C1C}">
-                <a14:useLocalDpi xmlns:a14="http://schemas.microsoft.com/office/drawing/2010/main" val="0"/>
-              </a:ext>
-            </a:extLst>
-          </a:blip>
+          <a:blip r:embed="rId2"/>
           <a:stretch>
             <a:fillRect/>
           </a:stretch>
         </p:blipFill>
         <p:spPr>
           <a:xfrm>
-            <a:off x="2231985" y="689812"/>
-            <a:ext cx="8052144" cy="4728128"/>
+            <a:off x="2801414" y="648069"/>
+            <a:ext cx="6589171" cy="4771979"/>
           </a:xfrm>
           <a:prstGeom prst="rect">
             <a:avLst/>
